--- a/Clase 8/clase8.pptx
+++ b/Clase 8/clase8.pptx
@@ -235,7 +235,7 @@
           <a:p>
             <a:fld id="{56EFBD41-8F30-499F-8836-9A8B592EDCF2}" type="datetimeFigureOut">
               <a:rPr lang="es-CR" smtClean="0"/>
-              <a:t>15/3/2017</a:t>
+              <a:t>17/3/2017</a:t>
             </a:fld>
             <a:endParaRPr lang="es-CR"/>
           </a:p>
@@ -400,7 +400,7 @@
           <a:p>
             <a:fld id="{701C4BE3-AD0D-43FB-97B9-68E31F3243AC}" type="datetimeFigureOut">
               <a:rPr lang="es-CR" smtClean="0"/>
-              <a:t>15/3/2017</a:t>
+              <a:t>17/3/2017</a:t>
             </a:fld>
             <a:endParaRPr lang="es-CR"/>
           </a:p>
@@ -810,7 +810,7 @@
           <a:p>
             <a:fld id="{EABE8AA6-12A8-4B45-AB18-A83908A3A2E6}" type="datetimeFigureOut">
               <a:rPr lang="es-ES" smtClean="0"/>
-              <a:t>15/03/2017</a:t>
+              <a:t>17/03/2017</a:t>
             </a:fld>
             <a:endParaRPr lang="es-ES"/>
           </a:p>
@@ -980,7 +980,7 @@
           <a:p>
             <a:fld id="{EABE8AA6-12A8-4B45-AB18-A83908A3A2E6}" type="datetimeFigureOut">
               <a:rPr lang="es-ES" smtClean="0"/>
-              <a:t>15/03/2017</a:t>
+              <a:t>17/03/2017</a:t>
             </a:fld>
             <a:endParaRPr lang="es-ES"/>
           </a:p>
@@ -1160,7 +1160,7 @@
           <a:p>
             <a:fld id="{EABE8AA6-12A8-4B45-AB18-A83908A3A2E6}" type="datetimeFigureOut">
               <a:rPr lang="es-ES" smtClean="0"/>
-              <a:t>15/03/2017</a:t>
+              <a:t>17/03/2017</a:t>
             </a:fld>
             <a:endParaRPr lang="es-ES"/>
           </a:p>
@@ -1363,7 +1363,7 @@
           <a:p>
             <a:fld id="{EABE8AA6-12A8-4B45-AB18-A83908A3A2E6}" type="datetimeFigureOut">
               <a:rPr lang="es-ES" smtClean="0"/>
-              <a:t>15/03/2017</a:t>
+              <a:t>17/03/2017</a:t>
             </a:fld>
             <a:endParaRPr lang="es-ES"/>
           </a:p>
@@ -1533,7 +1533,7 @@
           <a:p>
             <a:fld id="{EABE8AA6-12A8-4B45-AB18-A83908A3A2E6}" type="datetimeFigureOut">
               <a:rPr lang="es-ES" smtClean="0"/>
-              <a:t>15/03/2017</a:t>
+              <a:t>17/03/2017</a:t>
             </a:fld>
             <a:endParaRPr lang="es-ES"/>
           </a:p>
@@ -1784,7 +1784,7 @@
           <a:p>
             <a:fld id="{EABE8AA6-12A8-4B45-AB18-A83908A3A2E6}" type="datetimeFigureOut">
               <a:rPr lang="es-ES" smtClean="0"/>
-              <a:t>15/03/2017</a:t>
+              <a:t>17/03/2017</a:t>
             </a:fld>
             <a:endParaRPr lang="es-ES"/>
           </a:p>
@@ -2016,7 +2016,7 @@
           <a:p>
             <a:fld id="{EABE8AA6-12A8-4B45-AB18-A83908A3A2E6}" type="datetimeFigureOut">
               <a:rPr lang="es-ES" smtClean="0"/>
-              <a:t>15/03/2017</a:t>
+              <a:t>17/03/2017</a:t>
             </a:fld>
             <a:endParaRPr lang="es-ES"/>
           </a:p>
@@ -2363,7 +2363,7 @@
           <a:p>
             <a:fld id="{EABE8AA6-12A8-4B45-AB18-A83908A3A2E6}" type="datetimeFigureOut">
               <a:rPr lang="es-ES" smtClean="0"/>
-              <a:t>15/03/2017</a:t>
+              <a:t>17/03/2017</a:t>
             </a:fld>
             <a:endParaRPr lang="es-ES"/>
           </a:p>
@@ -2481,7 +2481,7 @@
           <a:p>
             <a:fld id="{73D7E00A-486F-4252-8B1D-E32645521F49}" type="datetime1">
               <a:rPr lang="en-US" smtClean="0"/>
-              <a:t>3/15/2017</a:t>
+              <a:t>3/17/2017</a:t>
             </a:fld>
             <a:endParaRPr lang="en-US"/>
           </a:p>
@@ -2599,7 +2599,7 @@
           <a:p>
             <a:fld id="{EABE8AA6-12A8-4B45-AB18-A83908A3A2E6}" type="datetimeFigureOut">
               <a:rPr lang="es-ES" smtClean="0"/>
-              <a:t>15/03/2017</a:t>
+              <a:t>17/03/2017</a:t>
             </a:fld>
             <a:endParaRPr lang="es-ES"/>
           </a:p>
@@ -2883,7 +2883,7 @@
           <a:p>
             <a:fld id="{EABE8AA6-12A8-4B45-AB18-A83908A3A2E6}" type="datetimeFigureOut">
               <a:rPr lang="es-ES" smtClean="0"/>
-              <a:t>15/03/2017</a:t>
+              <a:t>17/03/2017</a:t>
             </a:fld>
             <a:endParaRPr lang="es-ES"/>
           </a:p>
@@ -3053,7 +3053,7 @@
           <a:p>
             <a:fld id="{EABE8AA6-12A8-4B45-AB18-A83908A3A2E6}" type="datetimeFigureOut">
               <a:rPr lang="es-ES" smtClean="0"/>
-              <a:t>15/03/2017</a:t>
+              <a:t>17/03/2017</a:t>
             </a:fld>
             <a:endParaRPr lang="es-ES"/>
           </a:p>
@@ -3317,7 +3317,7 @@
           <a:p>
             <a:fld id="{EABE8AA6-12A8-4B45-AB18-A83908A3A2E6}" type="datetimeFigureOut">
               <a:rPr lang="es-ES" smtClean="0"/>
-              <a:t>15/03/2017</a:t>
+              <a:t>17/03/2017</a:t>
             </a:fld>
             <a:endParaRPr lang="es-ES"/>
           </a:p>
@@ -3487,7 +3487,7 @@
           <a:p>
             <a:fld id="{EABE8AA6-12A8-4B45-AB18-A83908A3A2E6}" type="datetimeFigureOut">
               <a:rPr lang="es-ES" smtClean="0"/>
-              <a:t>15/03/2017</a:t>
+              <a:t>17/03/2017</a:t>
             </a:fld>
             <a:endParaRPr lang="es-ES"/>
           </a:p>
@@ -3667,7 +3667,7 @@
           <a:p>
             <a:fld id="{EABE8AA6-12A8-4B45-AB18-A83908A3A2E6}" type="datetimeFigureOut">
               <a:rPr lang="es-ES" smtClean="0"/>
-              <a:t>15/03/2017</a:t>
+              <a:t>17/03/2017</a:t>
             </a:fld>
             <a:endParaRPr lang="es-ES"/>
           </a:p>
@@ -3859,7 +3859,7 @@
           <a:p>
             <a:fld id="{EABE8AA6-12A8-4B45-AB18-A83908A3A2E6}" type="datetimeFigureOut">
               <a:rPr lang="es-ES" smtClean="0"/>
-              <a:t>15/03/2017</a:t>
+              <a:t>17/03/2017</a:t>
             </a:fld>
             <a:endParaRPr lang="es-ES"/>
           </a:p>
@@ -4120,7 +4120,7 @@
           <a:p>
             <a:fld id="{EABE8AA6-12A8-4B45-AB18-A83908A3A2E6}" type="datetimeFigureOut">
               <a:rPr lang="es-ES" smtClean="0"/>
-              <a:t>15/03/2017</a:t>
+              <a:t>17/03/2017</a:t>
             </a:fld>
             <a:endParaRPr lang="es-ES"/>
           </a:p>
@@ -4511,7 +4511,7 @@
           <a:p>
             <a:fld id="{EABE8AA6-12A8-4B45-AB18-A83908A3A2E6}" type="datetimeFigureOut">
               <a:rPr lang="es-ES" smtClean="0"/>
-              <a:t>15/03/2017</a:t>
+              <a:t>17/03/2017</a:t>
             </a:fld>
             <a:endParaRPr lang="es-ES"/>
           </a:p>
@@ -4799,7 +4799,7 @@
           <a:p>
             <a:fld id="{EABE8AA6-12A8-4B45-AB18-A83908A3A2E6}" type="datetimeFigureOut">
               <a:rPr lang="es-ES" smtClean="0"/>
-              <a:t>15/03/2017</a:t>
+              <a:t>17/03/2017</a:t>
             </a:fld>
             <a:endParaRPr lang="es-ES"/>
           </a:p>
@@ -5222,7 +5222,7 @@
           <a:p>
             <a:fld id="{EABE8AA6-12A8-4B45-AB18-A83908A3A2E6}" type="datetimeFigureOut">
               <a:rPr lang="es-ES" smtClean="0"/>
-              <a:t>15/03/2017</a:t>
+              <a:t>17/03/2017</a:t>
             </a:fld>
             <a:endParaRPr lang="es-ES"/>
           </a:p>
@@ -5340,7 +5340,7 @@
           <a:p>
             <a:fld id="{73D7E00A-486F-4252-8B1D-E32645521F49}" type="datetime1">
               <a:rPr lang="en-US" smtClean="0"/>
-              <a:t>3/15/2017</a:t>
+              <a:t>3/17/2017</a:t>
             </a:fld>
             <a:endParaRPr lang="en-US"/>
           </a:p>
@@ -5435,7 +5435,7 @@
           <a:p>
             <a:fld id="{EABE8AA6-12A8-4B45-AB18-A83908A3A2E6}" type="datetimeFigureOut">
               <a:rPr lang="es-ES" smtClean="0"/>
-              <a:t>15/03/2017</a:t>
+              <a:t>17/03/2017</a:t>
             </a:fld>
             <a:endParaRPr lang="es-ES"/>
           </a:p>
@@ -5686,7 +5686,7 @@
           <a:p>
             <a:fld id="{EABE8AA6-12A8-4B45-AB18-A83908A3A2E6}" type="datetimeFigureOut">
               <a:rPr lang="es-ES" smtClean="0"/>
-              <a:t>15/03/2017</a:t>
+              <a:t>17/03/2017</a:t>
             </a:fld>
             <a:endParaRPr lang="es-ES"/>
           </a:p>
@@ -5963,7 +5963,7 @@
           <a:p>
             <a:fld id="{EABE8AA6-12A8-4B45-AB18-A83908A3A2E6}" type="datetimeFigureOut">
               <a:rPr lang="es-ES" smtClean="0"/>
-              <a:t>15/03/2017</a:t>
+              <a:t>17/03/2017</a:t>
             </a:fld>
             <a:endParaRPr lang="es-ES"/>
           </a:p>
@@ -6220,7 +6220,7 @@
           <a:p>
             <a:fld id="{EABE8AA6-12A8-4B45-AB18-A83908A3A2E6}" type="datetimeFigureOut">
               <a:rPr lang="es-ES" smtClean="0"/>
-              <a:t>15/03/2017</a:t>
+              <a:t>17/03/2017</a:t>
             </a:fld>
             <a:endParaRPr lang="es-ES"/>
           </a:p>
@@ -6390,7 +6390,7 @@
           <a:p>
             <a:fld id="{EABE8AA6-12A8-4B45-AB18-A83908A3A2E6}" type="datetimeFigureOut">
               <a:rPr lang="es-ES" smtClean="0"/>
-              <a:t>15/03/2017</a:t>
+              <a:t>17/03/2017</a:t>
             </a:fld>
             <a:endParaRPr lang="es-ES"/>
           </a:p>
@@ -6570,7 +6570,7 @@
           <a:p>
             <a:fld id="{EABE8AA6-12A8-4B45-AB18-A83908A3A2E6}" type="datetimeFigureOut">
               <a:rPr lang="es-ES" smtClean="0"/>
-              <a:t>15/03/2017</a:t>
+              <a:t>17/03/2017</a:t>
             </a:fld>
             <a:endParaRPr lang="es-ES"/>
           </a:p>
@@ -7110,7 +7110,7 @@
           <a:p>
             <a:fld id="{EABE8AA6-12A8-4B45-AB18-A83908A3A2E6}" type="datetimeFigureOut">
               <a:rPr lang="es-ES" smtClean="0"/>
-              <a:t>15/03/2017</a:t>
+              <a:t>17/03/2017</a:t>
             </a:fld>
             <a:endParaRPr lang="es-ES"/>
           </a:p>
@@ -7457,7 +7457,7 @@
           <a:p>
             <a:fld id="{EABE8AA6-12A8-4B45-AB18-A83908A3A2E6}" type="datetimeFigureOut">
               <a:rPr lang="es-ES" smtClean="0"/>
-              <a:t>15/03/2017</a:t>
+              <a:t>17/03/2017</a:t>
             </a:fld>
             <a:endParaRPr lang="es-ES"/>
           </a:p>
@@ -7575,7 +7575,7 @@
           <a:p>
             <a:fld id="{73D7E00A-486F-4252-8B1D-E32645521F49}" type="datetime1">
               <a:rPr lang="en-US" smtClean="0"/>
-              <a:t>3/15/2017</a:t>
+              <a:t>3/17/2017</a:t>
             </a:fld>
             <a:endParaRPr lang="en-US"/>
           </a:p>
@@ -8013,7 +8013,7 @@
           <a:p>
             <a:fld id="{EABE8AA6-12A8-4B45-AB18-A83908A3A2E6}" type="datetimeFigureOut">
               <a:rPr lang="es-ES" smtClean="0"/>
-              <a:t>15/03/2017</a:t>
+              <a:t>17/03/2017</a:t>
             </a:fld>
             <a:endParaRPr lang="es-ES"/>
           </a:p>
@@ -8277,7 +8277,7 @@
           <a:p>
             <a:fld id="{EABE8AA6-12A8-4B45-AB18-A83908A3A2E6}" type="datetimeFigureOut">
               <a:rPr lang="es-ES" smtClean="0"/>
-              <a:t>15/03/2017</a:t>
+              <a:t>17/03/2017</a:t>
             </a:fld>
             <a:endParaRPr lang="es-ES"/>
           </a:p>
@@ -8491,7 +8491,7 @@
           <a:p>
             <a:fld id="{5586B75A-687E-405C-8A0B-8D00578BA2C3}" type="datetime1">
               <a:rPr lang="en-US" smtClean="0"/>
-              <a:t>3/15/2017</a:t>
+              <a:t>3/17/2017</a:t>
             </a:fld>
             <a:endParaRPr lang="en-US"/>
           </a:p>
@@ -9021,7 +9021,7 @@
           <a:p>
             <a:fld id="{5586B75A-687E-405C-8A0B-8D00578BA2C3}" type="datetime1">
               <a:rPr lang="en-US" smtClean="0"/>
-              <a:t>3/15/2017</a:t>
+              <a:t>3/17/2017</a:t>
             </a:fld>
             <a:endParaRPr lang="en-US"/>
           </a:p>
@@ -9550,7 +9550,7 @@
           <a:p>
             <a:fld id="{5586B75A-687E-405C-8A0B-8D00578BA2C3}" type="datetime1">
               <a:rPr lang="en-US" smtClean="0"/>
-              <a:t>3/15/2017</a:t>
+              <a:t>3/17/2017</a:t>
             </a:fld>
             <a:endParaRPr lang="en-US"/>
           </a:p>
@@ -12143,15 +12143,7 @@
             </a:r>
             <a:r>
               <a:rPr lang="es-ES" dirty="0"/>
-              <a:t> que al insertar un nuevo pedido </a:t>
-            </a:r>
-            <a:r>
-              <a:rPr lang="es-ES" dirty="0"/>
-              <a:t>envié</a:t>
-            </a:r>
-            <a:r>
-              <a:rPr lang="es-ES" dirty="0"/>
-              <a:t> un mensaje que indique que la inserción fue satisfactoria.</a:t>
+              <a:t> que al insertar un nuevo pedido envié un mensaje que indique que la inserción fue satisfactoria.</a:t>
             </a:r>
           </a:p>
           <a:p>
@@ -12291,11 +12283,7 @@
           <a:p>
             <a:r>
               <a:rPr lang="es-ES" dirty="0"/>
-              <a:t>Funciones </a:t>
-            </a:r>
-            <a:r>
-              <a:rPr lang="es-ES" dirty="0"/>
-              <a:t>y </a:t>
+              <a:t>Funciones y </a:t>
             </a:r>
             <a:r>
               <a:rPr lang="es-ES" dirty="0" err="1"/>
@@ -12731,28 +12719,12 @@
               <a:buNone/>
             </a:pPr>
             <a:r>
-              <a:rPr lang="es-ES" sz="2400" dirty="0" err="1">
-                <a:solidFill>
-                  <a:srgbClr val="002060"/>
-                </a:solidFill>
-              </a:rPr>
-              <a:t>create</a:t>
-            </a:r>
-            <a:r>
               <a:rPr lang="es-ES" sz="2400" dirty="0">
                 <a:solidFill>
                   <a:srgbClr val="002060"/>
                 </a:solidFill>
               </a:rPr>
-              <a:t> </a:t>
-            </a:r>
-            <a:r>
-              <a:rPr lang="es-ES" sz="2400" dirty="0" err="1">
-                <a:solidFill>
-                  <a:srgbClr val="002060"/>
-                </a:solidFill>
-              </a:rPr>
-              <a:t>or</a:t>
+              <a:t>CREATE OR REPLACE FUNCTION </a:t>
             </a:r>
             <a:r>
               <a:rPr lang="es-ES" sz="2400" dirty="0">
@@ -12760,15 +12732,7 @@
                   <a:srgbClr val="002060"/>
                 </a:solidFill>
               </a:rPr>
-              <a:t> </a:t>
-            </a:r>
-            <a:r>
-              <a:rPr lang="es-ES" sz="2400" dirty="0" err="1">
-                <a:solidFill>
-                  <a:srgbClr val="002060"/>
-                </a:solidFill>
-              </a:rPr>
-              <a:t>replace</a:t>
+              <a:t>[nombre de la función]([parámetros]) </a:t>
             </a:r>
             <a:r>
               <a:rPr lang="es-ES" sz="2400" dirty="0">
@@ -12776,31 +12740,7 @@
                   <a:srgbClr val="002060"/>
                 </a:solidFill>
               </a:rPr>
-              <a:t> </a:t>
-            </a:r>
-            <a:r>
-              <a:rPr lang="es-ES" sz="2400" dirty="0" err="1">
-                <a:solidFill>
-                  <a:srgbClr val="002060"/>
-                </a:solidFill>
-              </a:rPr>
-              <a:t>function</a:t>
-            </a:r>
-            <a:r>
-              <a:rPr lang="es-ES" sz="2400" dirty="0">
-                <a:solidFill>
-                  <a:srgbClr val="002060"/>
-                </a:solidFill>
-              </a:rPr>
-              <a:t> [nombre de la función]([parámetros]) </a:t>
-            </a:r>
-            <a:r>
-              <a:rPr lang="es-ES" sz="2400" dirty="0" err="1">
-                <a:solidFill>
-                  <a:srgbClr val="002060"/>
-                </a:solidFill>
-              </a:rPr>
-              <a:t>returns</a:t>
+              <a:t>RETURNS</a:t>
             </a:r>
             <a:r>
               <a:rPr lang="es-ES" sz="2400" dirty="0">
@@ -12821,7 +12761,7 @@
                   <a:srgbClr val="002060"/>
                 </a:solidFill>
               </a:rPr>
-              <a:t>as</a:t>
+              <a:t>AS</a:t>
             </a:r>
             <a:br>
               <a:rPr lang="es-ES" sz="2400" dirty="0">
@@ -12846,12 +12786,12 @@
               </a:rPr>
             </a:br>
             <a:r>
-              <a:rPr lang="es-ES" sz="2400" dirty="0" err="1">
+              <a:rPr lang="es-ES" sz="2400" dirty="0">
                 <a:solidFill>
                   <a:srgbClr val="002060"/>
                 </a:solidFill>
               </a:rPr>
-              <a:t>language</a:t>
+              <a:t>LANGUAGE</a:t>
             </a:r>
             <a:r>
               <a:rPr lang="es-ES" sz="2400" dirty="0">
@@ -12886,7 +12826,6 @@
               <a:rPr lang="es-CR" dirty="0"/>
               <a:t>Funciones</a:t>
             </a:r>
-            <a:endParaRPr lang="es-CR" dirty="0"/>
           </a:p>
         </p:txBody>
       </p:sp>
@@ -13034,7 +12973,7 @@
                   <a:srgbClr val="002060"/>
                 </a:solidFill>
               </a:rPr>
-              <a:t>  SELECT $1+$2;</a:t>
+              <a:t>  RETURN $1+$2;</a:t>
             </a:r>
           </a:p>
           <a:p>
@@ -13127,7 +13066,6 @@
               <a:rPr lang="es-CR" dirty="0"/>
               <a:t>Funciones</a:t>
             </a:r>
-            <a:endParaRPr lang="es-CR" dirty="0"/>
           </a:p>
         </p:txBody>
       </p:sp>
@@ -13265,7 +13203,6 @@
               <a:rPr lang="es-CR" dirty="0"/>
               <a:t>Funciones</a:t>
             </a:r>
-            <a:endParaRPr lang="es-CR" dirty="0"/>
           </a:p>
         </p:txBody>
       </p:sp>
@@ -13421,20 +13358,12 @@
               <a:buNone/>
             </a:pPr>
             <a:r>
-              <a:rPr lang="es-ES" dirty="0" err="1">
-                <a:solidFill>
-                  <a:srgbClr val="002060"/>
-                </a:solidFill>
-              </a:rPr>
-              <a:t>create</a:t>
-            </a:r>
-            <a:r>
               <a:rPr lang="es-ES" dirty="0">
                 <a:solidFill>
                   <a:srgbClr val="002060"/>
                 </a:solidFill>
               </a:rPr>
-              <a:t> table usuarios (</a:t>
+              <a:t>CREATE TABLE usuarios (</a:t>
             </a:r>
             <a:br>
               <a:rPr lang="es-ES" dirty="0">
@@ -13449,23 +13378,7 @@
                   <a:srgbClr val="002060"/>
                 </a:solidFill>
               </a:rPr>
-              <a:t>   nombre </a:t>
-            </a:r>
-            <a:r>
-              <a:rPr lang="es-ES" dirty="0" err="1">
-                <a:solidFill>
-                  <a:srgbClr val="002060"/>
-                </a:solidFill>
-              </a:rPr>
-              <a:t>varchar</a:t>
-            </a:r>
-            <a:r>
-              <a:rPr lang="es-ES" dirty="0">
-                <a:solidFill>
-                  <a:srgbClr val="002060"/>
-                </a:solidFill>
-              </a:rPr>
-              <a:t>(30),</a:t>
+              <a:t>   nombre VARCHAR(30),</a:t>
             </a:r>
             <a:br>
               <a:rPr lang="es-ES" dirty="0">
@@ -13483,12 +13396,12 @@
               <a:t>   clave </a:t>
             </a:r>
             <a:r>
-              <a:rPr lang="es-ES" dirty="0" err="1">
+              <a:rPr lang="es-ES" dirty="0">
                 <a:solidFill>
                   <a:srgbClr val="002060"/>
                 </a:solidFill>
               </a:rPr>
-              <a:t>varchar</a:t>
+              <a:t>VARCHAR</a:t>
             </a:r>
             <a:r>
               <a:rPr lang="es-ES" dirty="0">
@@ -13554,7 +13467,6 @@
               <a:rPr lang="es-CR" dirty="0"/>
               <a:t>Funciones</a:t>
             </a:r>
-            <a:endParaRPr lang="es-CR" dirty="0"/>
           </a:p>
         </p:txBody>
       </p:sp>
@@ -13601,7 +13513,7 @@
         <p:spPr/>
         <p:txBody>
           <a:bodyPr>
-            <a:normAutofit fontScale="92500"/>
+            <a:normAutofit lnSpcReduction="10000"/>
           </a:bodyPr>
           <a:lstStyle/>
           <a:p>
@@ -13654,71 +13566,15 @@
               <a:buNone/>
             </a:pPr>
             <a:r>
-              <a:rPr lang="es-ES" dirty="0" err="1">
+              <a:rPr lang="en-US" dirty="0">
                 <a:solidFill>
                   <a:srgbClr val="002060"/>
                 </a:solidFill>
               </a:rPr>
-              <a:t>create</a:t>
-            </a:r>
-            <a:r>
-              <a:rPr lang="es-ES" dirty="0">
-                <a:solidFill>
-                  <a:srgbClr val="002060"/>
-                </a:solidFill>
-              </a:rPr>
-              <a:t> </a:t>
-            </a:r>
-            <a:r>
-              <a:rPr lang="es-ES" dirty="0" err="1">
-                <a:solidFill>
-                  <a:srgbClr val="002060"/>
-                </a:solidFill>
-              </a:rPr>
-              <a:t>or</a:t>
-            </a:r>
-            <a:r>
-              <a:rPr lang="es-ES" dirty="0">
-                <a:solidFill>
-                  <a:srgbClr val="002060"/>
-                </a:solidFill>
-              </a:rPr>
-              <a:t> </a:t>
-            </a:r>
-            <a:r>
-              <a:rPr lang="es-ES" dirty="0" err="1">
-                <a:solidFill>
-                  <a:srgbClr val="002060"/>
-                </a:solidFill>
-              </a:rPr>
-              <a:t>replace</a:t>
-            </a:r>
-            <a:r>
-              <a:rPr lang="es-ES" dirty="0">
-                <a:solidFill>
-                  <a:srgbClr val="002060"/>
-                </a:solidFill>
-              </a:rPr>
-              <a:t> </a:t>
-            </a:r>
-            <a:r>
-              <a:rPr lang="es-ES" dirty="0" err="1">
-                <a:solidFill>
-                  <a:srgbClr val="002060"/>
-                </a:solidFill>
-              </a:rPr>
-              <a:t>function</a:t>
-            </a:r>
-            <a:r>
-              <a:rPr lang="es-ES" dirty="0">
-                <a:solidFill>
-                  <a:srgbClr val="002060"/>
-                </a:solidFill>
-              </a:rPr>
-              <a:t> </a:t>
-            </a:r>
-            <a:r>
-              <a:rPr lang="es-ES" dirty="0" err="1">
+              <a:t>CREATE OR REPLACE FUNCTION </a:t>
+            </a:r>
+            <a:r>
+              <a:rPr lang="en-US" dirty="0" err="1">
                 <a:solidFill>
                   <a:srgbClr val="002060"/>
                 </a:solidFill>
@@ -13726,177 +13582,12 @@
               <a:t>retornarclave</a:t>
             </a:r>
             <a:r>
-              <a:rPr lang="es-ES" dirty="0">
+              <a:rPr lang="en-US" dirty="0">
                 <a:solidFill>
                   <a:srgbClr val="002060"/>
                 </a:solidFill>
               </a:rPr>
-              <a:t>(</a:t>
-            </a:r>
-            <a:r>
-              <a:rPr lang="es-ES" dirty="0" err="1">
-                <a:solidFill>
-                  <a:srgbClr val="002060"/>
-                </a:solidFill>
-              </a:rPr>
-              <a:t>varchar</a:t>
-            </a:r>
-            <a:r>
-              <a:rPr lang="es-ES" dirty="0">
-                <a:solidFill>
-                  <a:srgbClr val="002060"/>
-                </a:solidFill>
-              </a:rPr>
-              <a:t>) </a:t>
-            </a:r>
-            <a:r>
-              <a:rPr lang="es-ES" dirty="0" err="1">
-                <a:solidFill>
-                  <a:srgbClr val="002060"/>
-                </a:solidFill>
-              </a:rPr>
-              <a:t>returns</a:t>
-            </a:r>
-            <a:r>
-              <a:rPr lang="es-ES" dirty="0">
-                <a:solidFill>
-                  <a:srgbClr val="002060"/>
-                </a:solidFill>
-              </a:rPr>
-              <a:t> </a:t>
-            </a:r>
-            <a:r>
-              <a:rPr lang="es-ES" dirty="0" err="1">
-                <a:solidFill>
-                  <a:srgbClr val="002060"/>
-                </a:solidFill>
-              </a:rPr>
-              <a:t>varchar</a:t>
-            </a:r>
-            <a:br>
-              <a:rPr lang="es-ES" dirty="0">
-                <a:solidFill>
-                  <a:srgbClr val="002060"/>
-                </a:solidFill>
-              </a:rPr>
-            </a:br>
-            <a:r>
-              <a:rPr lang="es-ES" dirty="0">
-                <a:solidFill>
-                  <a:srgbClr val="002060"/>
-                </a:solidFill>
-              </a:rPr>
-              <a:t> as</a:t>
-            </a:r>
-            <a:br>
-              <a:rPr lang="es-ES" dirty="0">
-                <a:solidFill>
-                  <a:srgbClr val="002060"/>
-                </a:solidFill>
-              </a:rPr>
-            </a:br>
-            <a:r>
-              <a:rPr lang="es-ES" dirty="0">
-                <a:solidFill>
-                  <a:srgbClr val="002060"/>
-                </a:solidFill>
-              </a:rPr>
-              <a:t>   '</a:t>
-            </a:r>
-            <a:r>
-              <a:rPr lang="es-ES" dirty="0" err="1">
-                <a:solidFill>
-                  <a:srgbClr val="002060"/>
-                </a:solidFill>
-              </a:rPr>
-              <a:t>select</a:t>
-            </a:r>
-            <a:r>
-              <a:rPr lang="es-ES" dirty="0">
-                <a:solidFill>
-                  <a:srgbClr val="002060"/>
-                </a:solidFill>
-              </a:rPr>
-              <a:t> clave </a:t>
-            </a:r>
-            <a:r>
-              <a:rPr lang="es-ES" dirty="0" err="1">
-                <a:solidFill>
-                  <a:srgbClr val="002060"/>
-                </a:solidFill>
-              </a:rPr>
-              <a:t>from</a:t>
-            </a:r>
-            <a:r>
-              <a:rPr lang="es-ES" dirty="0">
-                <a:solidFill>
-                  <a:srgbClr val="002060"/>
-                </a:solidFill>
-              </a:rPr>
-              <a:t> usuarios </a:t>
-            </a:r>
-            <a:r>
-              <a:rPr lang="es-ES" dirty="0" err="1">
-                <a:solidFill>
-                  <a:srgbClr val="002060"/>
-                </a:solidFill>
-              </a:rPr>
-              <a:t>where</a:t>
-            </a:r>
-            <a:r>
-              <a:rPr lang="es-ES" dirty="0">
-                <a:solidFill>
-                  <a:srgbClr val="002060"/>
-                </a:solidFill>
-              </a:rPr>
-              <a:t> nombre=$1;'</a:t>
-            </a:r>
-            <a:br>
-              <a:rPr lang="es-ES" dirty="0">
-                <a:solidFill>
-                  <a:srgbClr val="002060"/>
-                </a:solidFill>
-              </a:rPr>
-            </a:br>
-            <a:r>
-              <a:rPr lang="es-ES" dirty="0">
-                <a:solidFill>
-                  <a:srgbClr val="002060"/>
-                </a:solidFill>
-              </a:rPr>
-              <a:t> </a:t>
-            </a:r>
-            <a:r>
-              <a:rPr lang="es-ES" dirty="0" err="1">
-                <a:solidFill>
-                  <a:srgbClr val="002060"/>
-                </a:solidFill>
-              </a:rPr>
-              <a:t>language</a:t>
-            </a:r>
-            <a:r>
-              <a:rPr lang="es-ES" dirty="0">
-                <a:solidFill>
-                  <a:srgbClr val="002060"/>
-                </a:solidFill>
-              </a:rPr>
-              <a:t> </a:t>
-            </a:r>
-            <a:r>
-              <a:rPr lang="es-ES" dirty="0" err="1">
-                <a:solidFill>
-                  <a:srgbClr val="002060"/>
-                </a:solidFill>
-              </a:rPr>
-              <a:t>sql</a:t>
-            </a:r>
-            <a:r>
-              <a:rPr lang="es-ES" dirty="0">
-                <a:solidFill>
-                  <a:srgbClr val="002060"/>
-                </a:solidFill>
-              </a:rPr>
-              <a:t>;</a:t>
+              <a:t>(VARCHAR) RETURNS VARCHAR </a:t>
             </a:r>
           </a:p>
           <a:p>
@@ -13913,11 +13604,46 @@
               <a:buSzPct val="91666"/>
               <a:buNone/>
             </a:pPr>
-            <a:endParaRPr lang="es-ES" dirty="0">
-              <a:solidFill>
-                <a:srgbClr val="0000FF"/>
-              </a:solidFill>
-            </a:endParaRPr>
+            <a:r>
+              <a:rPr lang="en-US" dirty="0">
+                <a:solidFill>
+                  <a:srgbClr val="002060"/>
+                </a:solidFill>
+              </a:rPr>
+              <a:t>AS 'SELECT clave FROM </a:t>
+            </a:r>
+            <a:r>
+              <a:rPr lang="en-US" dirty="0" err="1">
+                <a:solidFill>
+                  <a:srgbClr val="002060"/>
+                </a:solidFill>
+              </a:rPr>
+              <a:t>usuarios</a:t>
+            </a:r>
+            <a:r>
+              <a:rPr lang="en-US" dirty="0">
+                <a:solidFill>
+                  <a:srgbClr val="002060"/>
+                </a:solidFill>
+              </a:rPr>
+              <a:t> WHERE </a:t>
+            </a:r>
+            <a:r>
+              <a:rPr lang="en-US" dirty="0" err="1">
+                <a:solidFill>
+                  <a:srgbClr val="002060"/>
+                </a:solidFill>
+              </a:rPr>
+              <a:t>nombre</a:t>
+            </a:r>
+            <a:r>
+              <a:rPr lang="en-US" dirty="0">
+                <a:solidFill>
+                  <a:srgbClr val="002060"/>
+                </a:solidFill>
+              </a:rPr>
+              <a:t>=$1;' </a:t>
+            </a:r>
           </a:p>
           <a:p>
             <a:pPr lvl="0">
@@ -13934,24 +13660,12 @@
               <a:buNone/>
             </a:pPr>
             <a:r>
-              <a:rPr lang="es-ES" dirty="0"/>
-              <a:t>Luego para probar la función </a:t>
-            </a:r>
-            <a:r>
-              <a:rPr lang="es-ES" dirty="0" err="1"/>
-              <a:t>retornarclave</a:t>
-            </a:r>
-            <a:r>
-              <a:rPr lang="es-ES" dirty="0"/>
-              <a:t> debemos llamarla por ejemplo desde un </a:t>
-            </a:r>
-            <a:r>
-              <a:rPr lang="es-ES" dirty="0" err="1"/>
-              <a:t>select</a:t>
-            </a:r>
-            <a:r>
-              <a:rPr lang="es-ES" dirty="0"/>
-              <a:t>:</a:t>
+              <a:rPr lang="en-US" dirty="0">
+                <a:solidFill>
+                  <a:srgbClr val="002060"/>
+                </a:solidFill>
+              </a:rPr>
+              <a:t>LANGUAGE SQL;</a:t>
             </a:r>
           </a:p>
           <a:p>
@@ -13970,7 +13684,7 @@
             </a:pPr>
             <a:endParaRPr lang="es-ES" dirty="0">
               <a:solidFill>
-                <a:srgbClr val="002060"/>
+                <a:srgbClr val="0000FF"/>
               </a:solidFill>
             </a:endParaRPr>
           </a:p>
@@ -13989,20 +13703,67 @@
               <a:buNone/>
             </a:pPr>
             <a:r>
-              <a:rPr lang="es-ES" dirty="0" err="1">
-                <a:solidFill>
-                  <a:srgbClr val="002060"/>
-                </a:solidFill>
-              </a:rPr>
+              <a:rPr lang="es-ES" dirty="0"/>
+              <a:t>Luego para probar la función </a:t>
+            </a:r>
+            <a:r>
+              <a:rPr lang="es-ES" dirty="0" err="1"/>
+              <a:t>retornarclave</a:t>
+            </a:r>
+            <a:r>
+              <a:rPr lang="es-ES" dirty="0"/>
+              <a:t> debemos llamarla por ejemplo desde un </a:t>
+            </a:r>
+            <a:r>
+              <a:rPr lang="es-ES" dirty="0" err="1"/>
               <a:t>select</a:t>
             </a:r>
+            <a:r>
+              <a:rPr lang="es-ES" dirty="0"/>
+              <a:t>:</a:t>
+            </a:r>
+          </a:p>
+          <a:p>
+            <a:pPr lvl="0">
+              <a:lnSpc>
+                <a:spcPct val="120000"/>
+              </a:lnSpc>
+              <a:spcBef>
+                <a:spcPts val="0"/>
+              </a:spcBef>
+              <a:buClr>
+                <a:schemeClr val="dk1"/>
+              </a:buClr>
+              <a:buSzPct val="91666"/>
+              <a:buNone/>
+            </a:pPr>
+            <a:endParaRPr lang="es-ES" dirty="0">
+              <a:solidFill>
+                <a:srgbClr val="002060"/>
+              </a:solidFill>
+            </a:endParaRPr>
+          </a:p>
+          <a:p>
+            <a:pPr lvl="0">
+              <a:lnSpc>
+                <a:spcPct val="120000"/>
+              </a:lnSpc>
+              <a:spcBef>
+                <a:spcPts val="0"/>
+              </a:spcBef>
+              <a:buClr>
+                <a:schemeClr val="dk1"/>
+              </a:buClr>
+              <a:buSzPct val="91666"/>
+              <a:buNone/>
+            </a:pPr>
             <a:r>
               <a:rPr lang="es-ES" dirty="0">
                 <a:solidFill>
                   <a:srgbClr val="002060"/>
                 </a:solidFill>
               </a:rPr>
-              <a:t> </a:t>
+              <a:t>SELECT </a:t>
             </a:r>
             <a:r>
               <a:rPr lang="es-ES" dirty="0" err="1">
@@ -14045,7 +13806,6 @@
               <a:rPr lang="es-CR" dirty="0"/>
               <a:t>Funciones</a:t>
             </a:r>
-            <a:endParaRPr lang="es-CR" dirty="0"/>
           </a:p>
         </p:txBody>
       </p:sp>
